--- a/ImageNet Classification with Deep Convolutional Neural Network - slides.pptx
+++ b/ImageNet Classification with Deep Convolutional Neural Network - slides.pptx
@@ -8036,19 +8036,27 @@
           <a:p>
             <a:r>
               <a:rPr lang="it-IT" dirty="0" err="1"/>
-              <a:t>ReLu</a:t>
-            </a:r>
-            <a:r>
-              <a:rPr lang="it-IT" dirty="0"/>
-              <a:t> non </a:t>
-            </a:r>
-            <a:r>
-              <a:rPr lang="it-IT" dirty="0" err="1"/>
-              <a:t>linearity</a:t>
+              <a:t>Fully</a:t>
             </a:r>
             <a:r>
               <a:rPr lang="it-IT" dirty="0"/>
               <a:t> </a:t>
+            </a:r>
+            <a:r>
+              <a:rPr lang="it-IT" dirty="0" err="1"/>
+              <a:t>connected</a:t>
+            </a:r>
+            <a:r>
+              <a:rPr lang="it-IT" dirty="0"/>
+              <a:t> </a:t>
+            </a:r>
+            <a:r>
+              <a:rPr lang="it-IT" dirty="0" err="1"/>
+              <a:t>layer</a:t>
+            </a:r>
+            <a:r>
+              <a:rPr lang="it-IT" dirty="0"/>
+              <a:t> output </a:t>
             </a:r>
             <a:r>
               <a:rPr lang="it-IT" dirty="0" err="1"/>
